--- a/docs/diagrams/HighLevelSequenceDiagrams.pptx
+++ b/docs/diagrams/HighLevelSequenceDiagrams.pptx
@@ -5,10 +5,11 @@
     <p:sldMasterId id="2147483648" r:id="rId1"/>
   </p:sldMasterIdLst>
   <p:notesMasterIdLst>
-    <p:notesMasterId r:id="rId3"/>
+    <p:notesMasterId r:id="rId4"/>
   </p:notesMasterIdLst>
   <p:sldIdLst>
     <p:sldId id="266" r:id="rId2"/>
+    <p:sldId id="267" r:id="rId3"/>
   </p:sldIdLst>
   <p:sldSz cx="9144000" cy="6858000" type="screen4x3"/>
   <p:notesSz cx="6858000" cy="9144000"/>
@@ -208,7 +209,7 @@
           <a:p>
             <a:fld id="{F5CC4B3F-88C1-4FFA-B1B6-F41C21DC6924}" type="datetimeFigureOut">
               <a:rPr lang="en-US" smtClean="0"/>
-              <a:t>03/26/17</a:t>
+              <a:t>4/10/17</a:t>
             </a:fld>
             <a:endParaRPr lang="en-US" dirty="0"/>
           </a:p>
@@ -654,7 +655,7 @@
           <a:p>
             <a:fld id="{78C97017-6FC3-485B-9764-EAC9E56C1D49}" type="datetimeFigureOut">
               <a:rPr lang="en-US" smtClean="0"/>
-              <a:t>03/26/17</a:t>
+              <a:t>4/10/17</a:t>
             </a:fld>
             <a:endParaRPr lang="en-US" dirty="0"/>
           </a:p>
@@ -822,7 +823,7 @@
           <a:p>
             <a:fld id="{78C97017-6FC3-485B-9764-EAC9E56C1D49}" type="datetimeFigureOut">
               <a:rPr lang="en-US" smtClean="0"/>
-              <a:t>03/26/17</a:t>
+              <a:t>4/10/17</a:t>
             </a:fld>
             <a:endParaRPr lang="en-US" dirty="0"/>
           </a:p>
@@ -1000,7 +1001,7 @@
           <a:p>
             <a:fld id="{78C97017-6FC3-485B-9764-EAC9E56C1D49}" type="datetimeFigureOut">
               <a:rPr lang="en-US" smtClean="0"/>
-              <a:t>03/26/17</a:t>
+              <a:t>4/10/17</a:t>
             </a:fld>
             <a:endParaRPr lang="en-US" dirty="0"/>
           </a:p>
@@ -1168,7 +1169,7 @@
           <a:p>
             <a:fld id="{78C97017-6FC3-485B-9764-EAC9E56C1D49}" type="datetimeFigureOut">
               <a:rPr lang="en-US" smtClean="0"/>
-              <a:t>03/26/17</a:t>
+              <a:t>4/10/17</a:t>
             </a:fld>
             <a:endParaRPr lang="en-US" dirty="0"/>
           </a:p>
@@ -1413,7 +1414,7 @@
           <a:p>
             <a:fld id="{78C97017-6FC3-485B-9764-EAC9E56C1D49}" type="datetimeFigureOut">
               <a:rPr lang="en-US" smtClean="0"/>
-              <a:t>03/26/17</a:t>
+              <a:t>4/10/17</a:t>
             </a:fld>
             <a:endParaRPr lang="en-US" dirty="0"/>
           </a:p>
@@ -1698,7 +1699,7 @@
           <a:p>
             <a:fld id="{78C97017-6FC3-485B-9764-EAC9E56C1D49}" type="datetimeFigureOut">
               <a:rPr lang="en-US" smtClean="0"/>
-              <a:t>03/26/17</a:t>
+              <a:t>4/10/17</a:t>
             </a:fld>
             <a:endParaRPr lang="en-US" dirty="0"/>
           </a:p>
@@ -2117,7 +2118,7 @@
           <a:p>
             <a:fld id="{78C97017-6FC3-485B-9764-EAC9E56C1D49}" type="datetimeFigureOut">
               <a:rPr lang="en-US" smtClean="0"/>
-              <a:t>03/26/17</a:t>
+              <a:t>4/10/17</a:t>
             </a:fld>
             <a:endParaRPr lang="en-US" dirty="0"/>
           </a:p>
@@ -2234,7 +2235,7 @@
           <a:p>
             <a:fld id="{78C97017-6FC3-485B-9764-EAC9E56C1D49}" type="datetimeFigureOut">
               <a:rPr lang="en-US" smtClean="0"/>
-              <a:t>03/26/17</a:t>
+              <a:t>4/10/17</a:t>
             </a:fld>
             <a:endParaRPr lang="en-US" dirty="0"/>
           </a:p>
@@ -2329,7 +2330,7 @@
           <a:p>
             <a:fld id="{78C97017-6FC3-485B-9764-EAC9E56C1D49}" type="datetimeFigureOut">
               <a:rPr lang="en-US" smtClean="0"/>
-              <a:t>03/26/17</a:t>
+              <a:t>4/10/17</a:t>
             </a:fld>
             <a:endParaRPr lang="en-US" dirty="0"/>
           </a:p>
@@ -2604,7 +2605,7 @@
           <a:p>
             <a:fld id="{78C97017-6FC3-485B-9764-EAC9E56C1D49}" type="datetimeFigureOut">
               <a:rPr lang="en-US" smtClean="0"/>
-              <a:t>03/26/17</a:t>
+              <a:t>4/10/17</a:t>
             </a:fld>
             <a:endParaRPr lang="en-US" dirty="0"/>
           </a:p>
@@ -2856,7 +2857,7 @@
           <a:p>
             <a:fld id="{78C97017-6FC3-485B-9764-EAC9E56C1D49}" type="datetimeFigureOut">
               <a:rPr lang="en-US" smtClean="0"/>
-              <a:t>03/26/17</a:t>
+              <a:t>4/10/17</a:t>
             </a:fld>
             <a:endParaRPr lang="en-US" dirty="0"/>
           </a:p>
@@ -3067,7 +3068,7 @@
           <a:p>
             <a:fld id="{78C97017-6FC3-485B-9764-EAC9E56C1D49}" type="datetimeFigureOut">
               <a:rPr lang="en-US" smtClean="0"/>
-              <a:t>03/26/17</a:t>
+              <a:t>4/10/17</a:t>
             </a:fld>
             <a:endParaRPr lang="en-US" dirty="0"/>
           </a:p>
@@ -5932,6 +5933,1083 @@
     <p:extLst>
       <p:ext uri="{BB962C8B-B14F-4D97-AF65-F5344CB8AC3E}">
         <p14:creationId xmlns:p14="http://schemas.microsoft.com/office/powerpoint/2010/main" val="4023378879"/>
+      </p:ext>
+    </p:extLst>
+  </p:cSld>
+  <p:clrMapOvr>
+    <a:masterClrMapping/>
+  </p:clrMapOvr>
+</p:sld>
+</file>
+
+<file path=ppt/slides/slide2.xml><?xml version="1.0" encoding="utf-8"?>
+<p:sld xmlns:a="http://schemas.openxmlformats.org/drawingml/2006/main" xmlns:r="http://schemas.openxmlformats.org/officeDocument/2006/relationships" xmlns:p="http://schemas.openxmlformats.org/presentationml/2006/main">
+  <p:cSld>
+    <p:spTree>
+      <p:nvGrpSpPr>
+        <p:cNvPr id="1" name=""/>
+        <p:cNvGrpSpPr/>
+        <p:nvPr/>
+      </p:nvGrpSpPr>
+      <p:grpSpPr>
+        <a:xfrm>
+          <a:off x="0" y="0"/>
+          <a:ext cx="0" cy="0"/>
+          <a:chOff x="0" y="0"/>
+          <a:chExt cx="0" cy="0"/>
+        </a:xfrm>
+      </p:grpSpPr>
+      <p:sp>
+        <p:nvSpPr>
+          <p:cNvPr id="2" name="Rectangle 62"/>
+          <p:cNvSpPr/>
+          <p:nvPr/>
+        </p:nvSpPr>
+        <p:spPr>
+          <a:xfrm>
+            <a:off x="7370178" y="990600"/>
+            <a:ext cx="1093635" cy="346760"/>
+          </a:xfrm>
+          <a:prstGeom prst="rect">
+            <a:avLst/>
+          </a:prstGeom>
+          <a:solidFill>
+            <a:schemeClr val="accent6">
+              <a:lumMod val="75000"/>
+            </a:schemeClr>
+          </a:solidFill>
+          <a:ln w="19050">
+            <a:solidFill>
+              <a:schemeClr val="accent6">
+                <a:lumMod val="75000"/>
+              </a:schemeClr>
+            </a:solidFill>
+          </a:ln>
+          <a:effectLst/>
+        </p:spPr>
+        <p:style>
+          <a:lnRef idx="1">
+            <a:schemeClr val="accent2"/>
+          </a:lnRef>
+          <a:fillRef idx="2">
+            <a:schemeClr val="accent2"/>
+          </a:fillRef>
+          <a:effectRef idx="1">
+            <a:schemeClr val="accent2"/>
+          </a:effectRef>
+          <a:fontRef idx="minor">
+            <a:schemeClr val="dk1"/>
+          </a:fontRef>
+        </p:style>
+        <p:txBody>
+          <a:bodyPr rtlCol="0" anchor="ctr"/>
+          <a:lstStyle/>
+          <a:p>
+            <a:pPr algn="ctr"/>
+            <a:r>
+              <a:rPr lang="en-US" sz="1600" dirty="0" smtClean="0">
+                <a:solidFill>
+                  <a:schemeClr val="bg1"/>
+                </a:solidFill>
+              </a:rPr>
+              <a:t>:</a:t>
+            </a:r>
+            <a:r>
+              <a:rPr lang="en-US" sz="1600" dirty="0" err="1" smtClean="0">
+                <a:solidFill>
+                  <a:schemeClr val="bg1"/>
+                </a:solidFill>
+              </a:rPr>
+              <a:t>MainApp</a:t>
+            </a:r>
+            <a:endParaRPr lang="en-SG" sz="1600" dirty="0">
+              <a:solidFill>
+                <a:schemeClr val="bg1"/>
+              </a:solidFill>
+            </a:endParaRPr>
+          </a:p>
+        </p:txBody>
+      </p:sp>
+      <p:cxnSp>
+        <p:nvCxnSpPr>
+          <p:cNvPr id="3" name="Straight Connector 2"/>
+          <p:cNvCxnSpPr>
+            <a:endCxn id="4" idx="2"/>
+          </p:cNvCxnSpPr>
+          <p:nvPr/>
+        </p:nvCxnSpPr>
+        <p:spPr>
+          <a:xfrm flipH="1">
+            <a:off x="7907226" y="1354271"/>
+            <a:ext cx="9769" cy="1756958"/>
+          </a:xfrm>
+          <a:prstGeom prst="line">
+            <a:avLst/>
+          </a:prstGeom>
+          <a:ln w="19050">
+            <a:solidFill>
+              <a:schemeClr val="accent6">
+                <a:lumMod val="75000"/>
+              </a:schemeClr>
+            </a:solidFill>
+            <a:prstDash val="sysDash"/>
+          </a:ln>
+          <a:effectLst/>
+        </p:spPr>
+        <p:style>
+          <a:lnRef idx="1">
+            <a:schemeClr val="accent1"/>
+          </a:lnRef>
+          <a:fillRef idx="2">
+            <a:schemeClr val="accent1"/>
+          </a:fillRef>
+          <a:effectRef idx="1">
+            <a:schemeClr val="accent1"/>
+          </a:effectRef>
+          <a:fontRef idx="minor">
+            <a:schemeClr val="dk1"/>
+          </a:fontRef>
+        </p:style>
+      </p:cxnSp>
+      <p:sp>
+        <p:nvSpPr>
+          <p:cNvPr id="4" name="Rectangle 3"/>
+          <p:cNvSpPr/>
+          <p:nvPr/>
+        </p:nvSpPr>
+        <p:spPr>
+          <a:xfrm>
+            <a:off x="7844987" y="2823820"/>
+            <a:ext cx="124478" cy="287409"/>
+          </a:xfrm>
+          <a:prstGeom prst="rect">
+            <a:avLst/>
+          </a:prstGeom>
+          <a:solidFill>
+            <a:schemeClr val="accent6">
+              <a:lumMod val="75000"/>
+            </a:schemeClr>
+          </a:solidFill>
+          <a:ln>
+            <a:solidFill>
+              <a:schemeClr val="accent6">
+                <a:lumMod val="75000"/>
+              </a:schemeClr>
+            </a:solidFill>
+          </a:ln>
+          <a:effectLst/>
+        </p:spPr>
+        <p:style>
+          <a:lnRef idx="1">
+            <a:schemeClr val="accent3"/>
+          </a:lnRef>
+          <a:fillRef idx="2">
+            <a:schemeClr val="accent3"/>
+          </a:fillRef>
+          <a:effectRef idx="1">
+            <a:schemeClr val="accent3"/>
+          </a:effectRef>
+          <a:fontRef idx="minor">
+            <a:schemeClr val="dk1"/>
+          </a:fontRef>
+        </p:style>
+        <p:txBody>
+          <a:bodyPr rtlCol="0" anchor="ctr"/>
+          <a:lstStyle/>
+          <a:p>
+            <a:pPr algn="ctr"/>
+            <a:endParaRPr lang="en-SG" sz="1400" dirty="0">
+              <a:solidFill>
+                <a:schemeClr val="dk1"/>
+              </a:solidFill>
+            </a:endParaRPr>
+          </a:p>
+        </p:txBody>
+      </p:sp>
+      <p:sp>
+        <p:nvSpPr>
+          <p:cNvPr id="5" name="TextBox 4"/>
+          <p:cNvSpPr txBox="1"/>
+          <p:nvPr/>
+        </p:nvSpPr>
+        <p:spPr>
+          <a:xfrm>
+            <a:off x="1810094" y="2209800"/>
+            <a:ext cx="2716635" cy="215444"/>
+          </a:xfrm>
+          <a:prstGeom prst="rect">
+            <a:avLst/>
+          </a:prstGeom>
+          <a:noFill/>
+        </p:spPr>
+        <p:txBody>
+          <a:bodyPr wrap="square" lIns="0" tIns="0" rIns="0" bIns="0" rtlCol="0">
+            <a:spAutoFit/>
+          </a:bodyPr>
+          <a:lstStyle/>
+          <a:p>
+            <a:r>
+              <a:rPr lang="en-US" sz="1400" dirty="0" smtClean="0">
+                <a:solidFill>
+                  <a:schemeClr val="accent5">
+                    <a:lumMod val="75000"/>
+                  </a:schemeClr>
+                </a:solidFill>
+              </a:rPr>
+              <a:t>post(</a:t>
+            </a:r>
+            <a:r>
+              <a:rPr lang="en-US" sz="1400" dirty="0" err="1" smtClean="0">
+                <a:solidFill>
+                  <a:schemeClr val="accent5">
+                    <a:lumMod val="75000"/>
+                  </a:schemeClr>
+                </a:solidFill>
+              </a:rPr>
+              <a:t>ExitAppRequestEvent</a:t>
+            </a:r>
+            <a:r>
+              <a:rPr lang="en-US" sz="1400" dirty="0">
+                <a:solidFill>
+                  <a:schemeClr val="accent5">
+                    <a:lumMod val="75000"/>
+                  </a:schemeClr>
+                </a:solidFill>
+              </a:rPr>
+              <a:t>)</a:t>
+            </a:r>
+          </a:p>
+        </p:txBody>
+      </p:sp>
+      <p:sp>
+        <p:nvSpPr>
+          <p:cNvPr id="6" name="Rectangle 62"/>
+          <p:cNvSpPr/>
+          <p:nvPr/>
+        </p:nvSpPr>
+        <p:spPr>
+          <a:xfrm>
+            <a:off x="3791146" y="1007511"/>
+            <a:ext cx="1371600" cy="346760"/>
+          </a:xfrm>
+          <a:prstGeom prst="rect">
+            <a:avLst/>
+          </a:prstGeom>
+          <a:solidFill>
+            <a:schemeClr val="accent5">
+              <a:lumMod val="75000"/>
+            </a:schemeClr>
+          </a:solidFill>
+          <a:ln w="19050">
+            <a:solidFill>
+              <a:schemeClr val="accent5">
+                <a:lumMod val="75000"/>
+              </a:schemeClr>
+            </a:solidFill>
+          </a:ln>
+          <a:effectLst/>
+        </p:spPr>
+        <p:style>
+          <a:lnRef idx="1">
+            <a:schemeClr val="accent2"/>
+          </a:lnRef>
+          <a:fillRef idx="2">
+            <a:schemeClr val="accent2"/>
+          </a:fillRef>
+          <a:effectRef idx="1">
+            <a:schemeClr val="accent2"/>
+          </a:effectRef>
+          <a:fontRef idx="minor">
+            <a:schemeClr val="dk1"/>
+          </a:fontRef>
+        </p:style>
+        <p:txBody>
+          <a:bodyPr rtlCol="0" anchor="ctr"/>
+          <a:lstStyle/>
+          <a:p>
+            <a:pPr algn="ctr"/>
+            <a:r>
+              <a:rPr lang="en-US" sz="1600" dirty="0">
+                <a:solidFill>
+                  <a:schemeClr val="bg1"/>
+                </a:solidFill>
+              </a:rPr>
+              <a:t>:EventsCenter</a:t>
+            </a:r>
+            <a:endParaRPr lang="en-SG" sz="1600" dirty="0">
+              <a:solidFill>
+                <a:schemeClr val="bg1"/>
+              </a:solidFill>
+            </a:endParaRPr>
+          </a:p>
+        </p:txBody>
+      </p:sp>
+      <p:cxnSp>
+        <p:nvCxnSpPr>
+          <p:cNvPr id="7" name="Straight Connector 6"/>
+          <p:cNvCxnSpPr/>
+          <p:nvPr/>
+        </p:nvCxnSpPr>
+        <p:spPr>
+          <a:xfrm>
+            <a:off x="4456731" y="1360565"/>
+            <a:ext cx="0" cy="1903384"/>
+          </a:xfrm>
+          <a:prstGeom prst="line">
+            <a:avLst/>
+          </a:prstGeom>
+          <a:ln w="19050">
+            <a:solidFill>
+              <a:schemeClr val="accent5">
+                <a:lumMod val="75000"/>
+              </a:schemeClr>
+            </a:solidFill>
+            <a:prstDash val="sysDash"/>
+          </a:ln>
+          <a:effectLst/>
+        </p:spPr>
+        <p:style>
+          <a:lnRef idx="1">
+            <a:schemeClr val="accent1"/>
+          </a:lnRef>
+          <a:fillRef idx="2">
+            <a:schemeClr val="accent1"/>
+          </a:fillRef>
+          <a:effectRef idx="1">
+            <a:schemeClr val="accent1"/>
+          </a:effectRef>
+          <a:fontRef idx="minor">
+            <a:schemeClr val="dk1"/>
+          </a:fontRef>
+        </p:style>
+      </p:cxnSp>
+      <p:sp>
+        <p:nvSpPr>
+          <p:cNvPr id="8" name="Rectangle 7"/>
+          <p:cNvSpPr/>
+          <p:nvPr/>
+        </p:nvSpPr>
+        <p:spPr>
+          <a:xfrm>
+            <a:off x="4384723" y="2531167"/>
+            <a:ext cx="142006" cy="462026"/>
+          </a:xfrm>
+          <a:prstGeom prst="rect">
+            <a:avLst/>
+          </a:prstGeom>
+          <a:solidFill>
+            <a:schemeClr val="accent5">
+              <a:lumMod val="75000"/>
+            </a:schemeClr>
+          </a:solidFill>
+          <a:ln>
+            <a:solidFill>
+              <a:schemeClr val="accent5">
+                <a:lumMod val="75000"/>
+              </a:schemeClr>
+            </a:solidFill>
+          </a:ln>
+          <a:effectLst/>
+        </p:spPr>
+        <p:style>
+          <a:lnRef idx="1">
+            <a:schemeClr val="accent3"/>
+          </a:lnRef>
+          <a:fillRef idx="2">
+            <a:schemeClr val="accent3"/>
+          </a:fillRef>
+          <a:effectRef idx="1">
+            <a:schemeClr val="accent3"/>
+          </a:effectRef>
+          <a:fontRef idx="minor">
+            <a:schemeClr val="dk1"/>
+          </a:fontRef>
+        </p:style>
+        <p:txBody>
+          <a:bodyPr rtlCol="0" anchor="ctr"/>
+          <a:lstStyle/>
+          <a:p>
+            <a:pPr algn="ctr"/>
+            <a:endParaRPr lang="en-SG" sz="1400" dirty="0">
+              <a:solidFill>
+                <a:schemeClr val="dk1"/>
+              </a:solidFill>
+            </a:endParaRPr>
+          </a:p>
+        </p:txBody>
+      </p:sp>
+      <p:cxnSp>
+        <p:nvCxnSpPr>
+          <p:cNvPr id="9" name="Straight Arrow Connector 8"/>
+          <p:cNvCxnSpPr/>
+          <p:nvPr/>
+        </p:nvCxnSpPr>
+        <p:spPr>
+          <a:xfrm>
+            <a:off x="1371600" y="2514600"/>
+            <a:ext cx="3002729" cy="0"/>
+          </a:xfrm>
+          <a:prstGeom prst="straightConnector1">
+            <a:avLst/>
+          </a:prstGeom>
+          <a:ln w="19050">
+            <a:solidFill>
+              <a:srgbClr val="7030A0"/>
+            </a:solidFill>
+            <a:tailEnd type="arrow"/>
+          </a:ln>
+        </p:spPr>
+        <p:style>
+          <a:lnRef idx="1">
+            <a:schemeClr val="accent1"/>
+          </a:lnRef>
+          <a:fillRef idx="0">
+            <a:schemeClr val="accent1"/>
+          </a:fillRef>
+          <a:effectRef idx="0">
+            <a:schemeClr val="accent1"/>
+          </a:effectRef>
+          <a:fontRef idx="minor">
+            <a:schemeClr val="tx1"/>
+          </a:fontRef>
+        </p:style>
+      </p:cxnSp>
+      <p:cxnSp>
+        <p:nvCxnSpPr>
+          <p:cNvPr id="10" name="Straight Arrow Connector 9"/>
+          <p:cNvCxnSpPr/>
+          <p:nvPr/>
+        </p:nvCxnSpPr>
+        <p:spPr>
+          <a:xfrm>
+            <a:off x="4526729" y="2829172"/>
+            <a:ext cx="3318258" cy="0"/>
+          </a:xfrm>
+          <a:prstGeom prst="straightConnector1">
+            <a:avLst/>
+          </a:prstGeom>
+          <a:ln w="19050">
+            <a:solidFill>
+              <a:schemeClr val="accent5">
+                <a:lumMod val="75000"/>
+              </a:schemeClr>
+            </a:solidFill>
+            <a:headEnd type="none" w="med" len="med"/>
+            <a:tailEnd type="arrow" w="med" len="med"/>
+          </a:ln>
+        </p:spPr>
+        <p:style>
+          <a:lnRef idx="1">
+            <a:schemeClr val="accent1"/>
+          </a:lnRef>
+          <a:fillRef idx="0">
+            <a:schemeClr val="accent1"/>
+          </a:fillRef>
+          <a:effectRef idx="0">
+            <a:schemeClr val="accent1"/>
+          </a:effectRef>
+          <a:fontRef idx="minor">
+            <a:schemeClr val="tx1"/>
+          </a:fontRef>
+        </p:style>
+      </p:cxnSp>
+      <p:sp>
+        <p:nvSpPr>
+          <p:cNvPr id="11" name="TextBox 10"/>
+          <p:cNvSpPr txBox="1"/>
+          <p:nvPr/>
+        </p:nvSpPr>
+        <p:spPr>
+          <a:xfrm>
+            <a:off x="5036330" y="2554069"/>
+            <a:ext cx="2659870" cy="215444"/>
+          </a:xfrm>
+          <a:prstGeom prst="rect">
+            <a:avLst/>
+          </a:prstGeom>
+          <a:noFill/>
+        </p:spPr>
+        <p:txBody>
+          <a:bodyPr wrap="square" lIns="0" tIns="0" rIns="0" bIns="0" rtlCol="0">
+            <a:spAutoFit/>
+          </a:bodyPr>
+          <a:lstStyle/>
+          <a:p>
+            <a:r>
+              <a:rPr lang="en-US" sz="1400" dirty="0" err="1" smtClean="0">
+                <a:solidFill>
+                  <a:schemeClr val="accent6">
+                    <a:lumMod val="75000"/>
+                  </a:schemeClr>
+                </a:solidFill>
+              </a:rPr>
+              <a:t>handleExitAppRequestEvent</a:t>
+            </a:r>
+            <a:r>
+              <a:rPr lang="en-US" sz="1400" dirty="0">
+                <a:solidFill>
+                  <a:schemeClr val="accent6">
+                    <a:lumMod val="75000"/>
+                  </a:schemeClr>
+                </a:solidFill>
+              </a:rPr>
+              <a:t>()</a:t>
+            </a:r>
+          </a:p>
+        </p:txBody>
+      </p:sp>
+      <p:sp>
+        <p:nvSpPr>
+          <p:cNvPr id="12" name="Rectangle 62"/>
+          <p:cNvSpPr/>
+          <p:nvPr/>
+        </p:nvSpPr>
+        <p:spPr>
+          <a:xfrm>
+            <a:off x="811365" y="990600"/>
+            <a:ext cx="1093635" cy="346760"/>
+          </a:xfrm>
+          <a:prstGeom prst="rect">
+            <a:avLst/>
+          </a:prstGeom>
+          <a:solidFill>
+            <a:srgbClr val="00B050"/>
+          </a:solidFill>
+          <a:ln w="19050">
+            <a:solidFill>
+              <a:srgbClr val="00B050"/>
+            </a:solidFill>
+          </a:ln>
+          <a:effectLst/>
+        </p:spPr>
+        <p:style>
+          <a:lnRef idx="1">
+            <a:schemeClr val="accent2"/>
+          </a:lnRef>
+          <a:fillRef idx="2">
+            <a:schemeClr val="accent2"/>
+          </a:fillRef>
+          <a:effectRef idx="1">
+            <a:schemeClr val="accent2"/>
+          </a:effectRef>
+          <a:fontRef idx="minor">
+            <a:schemeClr val="dk1"/>
+          </a:fontRef>
+        </p:style>
+        <p:txBody>
+          <a:bodyPr rtlCol="0" anchor="ctr"/>
+          <a:lstStyle/>
+          <a:p>
+            <a:pPr algn="ctr"/>
+            <a:r>
+              <a:rPr lang="en-US" sz="1600" dirty="0">
+                <a:solidFill>
+                  <a:schemeClr val="bg1"/>
+                </a:solidFill>
+              </a:rPr>
+              <a:t>:UI</a:t>
+            </a:r>
+            <a:endParaRPr lang="en-SG" sz="1600" dirty="0">
+              <a:solidFill>
+                <a:schemeClr val="bg1"/>
+              </a:solidFill>
+            </a:endParaRPr>
+          </a:p>
+        </p:txBody>
+      </p:sp>
+      <p:cxnSp>
+        <p:nvCxnSpPr>
+          <p:cNvPr id="13" name="Straight Connector 12"/>
+          <p:cNvCxnSpPr/>
+          <p:nvPr/>
+        </p:nvCxnSpPr>
+        <p:spPr>
+          <a:xfrm>
+            <a:off x="1371600" y="1354271"/>
+            <a:ext cx="0" cy="1909678"/>
+          </a:xfrm>
+          <a:prstGeom prst="line">
+            <a:avLst/>
+          </a:prstGeom>
+          <a:ln w="19050">
+            <a:solidFill>
+              <a:srgbClr val="00B050"/>
+            </a:solidFill>
+            <a:prstDash val="sysDash"/>
+          </a:ln>
+          <a:effectLst/>
+        </p:spPr>
+        <p:style>
+          <a:lnRef idx="1">
+            <a:schemeClr val="accent1"/>
+          </a:lnRef>
+          <a:fillRef idx="2">
+            <a:schemeClr val="accent1"/>
+          </a:fillRef>
+          <a:effectRef idx="1">
+            <a:schemeClr val="accent1"/>
+          </a:effectRef>
+          <a:fontRef idx="minor">
+            <a:schemeClr val="dk1"/>
+          </a:fontRef>
+        </p:style>
+      </p:cxnSp>
+      <p:sp>
+        <p:nvSpPr>
+          <p:cNvPr id="14" name="Rectangle 13"/>
+          <p:cNvSpPr/>
+          <p:nvPr/>
+        </p:nvSpPr>
+        <p:spPr>
+          <a:xfrm>
+            <a:off x="1321134" y="1689499"/>
+            <a:ext cx="139271" cy="825101"/>
+          </a:xfrm>
+          <a:prstGeom prst="rect">
+            <a:avLst/>
+          </a:prstGeom>
+          <a:solidFill>
+            <a:srgbClr val="00B050"/>
+          </a:solidFill>
+          <a:ln>
+            <a:solidFill>
+              <a:srgbClr val="00B050"/>
+            </a:solidFill>
+          </a:ln>
+          <a:effectLst/>
+        </p:spPr>
+        <p:style>
+          <a:lnRef idx="1">
+            <a:schemeClr val="accent3"/>
+          </a:lnRef>
+          <a:fillRef idx="2">
+            <a:schemeClr val="accent3"/>
+          </a:fillRef>
+          <a:effectRef idx="1">
+            <a:schemeClr val="accent3"/>
+          </a:effectRef>
+          <a:fontRef idx="minor">
+            <a:schemeClr val="dk1"/>
+          </a:fontRef>
+        </p:style>
+        <p:txBody>
+          <a:bodyPr rtlCol="0" anchor="ctr"/>
+          <a:lstStyle/>
+          <a:p>
+            <a:pPr algn="ctr"/>
+            <a:endParaRPr lang="en-SG" sz="1400" dirty="0">
+              <a:solidFill>
+                <a:schemeClr val="dk1"/>
+              </a:solidFill>
+            </a:endParaRPr>
+          </a:p>
+        </p:txBody>
+      </p:sp>
+      <p:sp>
+        <p:nvSpPr>
+          <p:cNvPr id="15" name="TextBox 14"/>
+          <p:cNvSpPr txBox="1"/>
+          <p:nvPr/>
+        </p:nvSpPr>
+        <p:spPr>
+          <a:xfrm>
+            <a:off x="8112476" y="2769513"/>
+            <a:ext cx="955324" cy="430887"/>
+          </a:xfrm>
+          <a:prstGeom prst="rect">
+            <a:avLst/>
+          </a:prstGeom>
+          <a:noFill/>
+        </p:spPr>
+        <p:txBody>
+          <a:bodyPr wrap="square" lIns="0" tIns="0" rIns="0" bIns="0" rtlCol="0">
+            <a:spAutoFit/>
+          </a:bodyPr>
+          <a:lstStyle/>
+          <a:p>
+            <a:r>
+              <a:rPr lang="en-US" sz="1400" dirty="0" smtClean="0">
+                <a:solidFill>
+                  <a:schemeClr val="accent6">
+                    <a:lumMod val="75000"/>
+                  </a:schemeClr>
+                </a:solidFill>
+              </a:rPr>
+              <a:t>Stops the application</a:t>
+            </a:r>
+            <a:endParaRPr lang="en-US" sz="1400" dirty="0">
+              <a:solidFill>
+                <a:schemeClr val="accent6">
+                  <a:lumMod val="75000"/>
+                </a:schemeClr>
+              </a:solidFill>
+            </a:endParaRPr>
+          </a:p>
+        </p:txBody>
+      </p:sp>
+      <p:grpSp>
+        <p:nvGrpSpPr>
+          <p:cNvPr id="16" name="Actor"/>
+          <p:cNvGrpSpPr/>
+          <p:nvPr/>
+        </p:nvGrpSpPr>
+        <p:grpSpPr>
+          <a:xfrm>
+            <a:off x="152400" y="1015668"/>
+            <a:ext cx="324036" cy="573410"/>
+            <a:chOff x="3239901" y="4149080"/>
+            <a:chExt cx="648072" cy="1146820"/>
+          </a:xfrm>
+        </p:grpSpPr>
+        <p:sp>
+          <p:nvSpPr>
+            <p:cNvPr id="17" name="Flowchart: Connector 7"/>
+            <p:cNvSpPr/>
+            <p:nvPr/>
+          </p:nvSpPr>
+          <p:spPr>
+            <a:xfrm>
+              <a:off x="3419872" y="4149080"/>
+              <a:ext cx="288032" cy="288032"/>
+            </a:xfrm>
+            <a:prstGeom prst="flowChartConnector">
+              <a:avLst/>
+            </a:prstGeom>
+            <a:solidFill>
+              <a:schemeClr val="bg1">
+                <a:lumMod val="85000"/>
+              </a:schemeClr>
+            </a:solidFill>
+            <a:ln w="28575">
+              <a:solidFill>
+                <a:schemeClr val="tx1"/>
+              </a:solidFill>
+            </a:ln>
+            <a:effectLst/>
+          </p:spPr>
+          <p:style>
+            <a:lnRef idx="1">
+              <a:schemeClr val="accent4"/>
+            </a:lnRef>
+            <a:fillRef idx="2">
+              <a:schemeClr val="accent4"/>
+            </a:fillRef>
+            <a:effectRef idx="1">
+              <a:schemeClr val="accent4"/>
+            </a:effectRef>
+            <a:fontRef idx="minor">
+              <a:schemeClr val="dk1"/>
+            </a:fontRef>
+          </p:style>
+          <p:txBody>
+            <a:bodyPr rtlCol="0" anchor="ctr"/>
+            <a:lstStyle/>
+            <a:p>
+              <a:pPr algn="ctr"/>
+              <a:endParaRPr lang="en-SG" dirty="0"/>
+            </a:p>
+          </p:txBody>
+        </p:sp>
+        <p:cxnSp>
+          <p:nvCxnSpPr>
+            <p:cNvPr id="18" name="Straight Connector 17"/>
+            <p:cNvCxnSpPr/>
+            <p:nvPr/>
+          </p:nvCxnSpPr>
+          <p:spPr>
+            <a:xfrm>
+              <a:off x="3563888" y="4437112"/>
+              <a:ext cx="0" cy="504056"/>
+            </a:xfrm>
+            <a:prstGeom prst="line">
+              <a:avLst/>
+            </a:prstGeom>
+            <a:ln w="28575">
+              <a:solidFill>
+                <a:schemeClr val="tx1"/>
+              </a:solidFill>
+            </a:ln>
+            <a:effectLst/>
+          </p:spPr>
+          <p:style>
+            <a:lnRef idx="1">
+              <a:schemeClr val="accent4"/>
+            </a:lnRef>
+            <a:fillRef idx="2">
+              <a:schemeClr val="accent4"/>
+            </a:fillRef>
+            <a:effectRef idx="1">
+              <a:schemeClr val="accent4"/>
+            </a:effectRef>
+            <a:fontRef idx="minor">
+              <a:schemeClr val="dk1"/>
+            </a:fontRef>
+          </p:style>
+        </p:cxnSp>
+        <p:sp>
+          <p:nvSpPr>
+            <p:cNvPr id="19" name="Freeform 18"/>
+            <p:cNvSpPr/>
+            <p:nvPr/>
+          </p:nvSpPr>
+          <p:spPr>
+            <a:xfrm>
+              <a:off x="3324225" y="4933950"/>
+              <a:ext cx="479425" cy="361950"/>
+            </a:xfrm>
+            <a:custGeom>
+              <a:avLst/>
+              <a:gdLst>
+                <a:gd name="connsiteX0" fmla="*/ 0 w 479425"/>
+                <a:gd name="connsiteY0" fmla="*/ 355600 h 361950"/>
+                <a:gd name="connsiteX1" fmla="*/ 241300 w 479425"/>
+                <a:gd name="connsiteY1" fmla="*/ 0 h 361950"/>
+                <a:gd name="connsiteX2" fmla="*/ 479425 w 479425"/>
+                <a:gd name="connsiteY2" fmla="*/ 361950 h 361950"/>
+              </a:gdLst>
+              <a:ahLst/>
+              <a:cxnLst>
+                <a:cxn ang="0">
+                  <a:pos x="connsiteX0" y="connsiteY0"/>
+                </a:cxn>
+                <a:cxn ang="0">
+                  <a:pos x="connsiteX1" y="connsiteY1"/>
+                </a:cxn>
+                <a:cxn ang="0">
+                  <a:pos x="connsiteX2" y="connsiteY2"/>
+                </a:cxn>
+              </a:cxnLst>
+              <a:rect l="l" t="t" r="r" b="b"/>
+              <a:pathLst>
+                <a:path w="479425" h="361950">
+                  <a:moveTo>
+                    <a:pt x="0" y="355600"/>
+                  </a:moveTo>
+                  <a:lnTo>
+                    <a:pt x="241300" y="0"/>
+                  </a:lnTo>
+                  <a:lnTo>
+                    <a:pt x="479425" y="361950"/>
+                  </a:lnTo>
+                </a:path>
+              </a:pathLst>
+            </a:custGeom>
+            <a:noFill/>
+            <a:ln w="28575">
+              <a:solidFill>
+                <a:schemeClr val="tx1"/>
+              </a:solidFill>
+            </a:ln>
+            <a:effectLst/>
+          </p:spPr>
+          <p:style>
+            <a:lnRef idx="1">
+              <a:schemeClr val="accent4"/>
+            </a:lnRef>
+            <a:fillRef idx="2">
+              <a:schemeClr val="accent4"/>
+            </a:fillRef>
+            <a:effectRef idx="1">
+              <a:schemeClr val="accent4"/>
+            </a:effectRef>
+            <a:fontRef idx="minor">
+              <a:schemeClr val="dk1"/>
+            </a:fontRef>
+          </p:style>
+          <p:txBody>
+            <a:bodyPr rtlCol="0" anchor="ctr"/>
+            <a:lstStyle/>
+            <a:p>
+              <a:pPr algn="ctr"/>
+              <a:endParaRPr lang="en-SG" dirty="0"/>
+            </a:p>
+          </p:txBody>
+        </p:sp>
+        <p:cxnSp>
+          <p:nvCxnSpPr>
+            <p:cNvPr id="20" name="Straight Connector 19"/>
+            <p:cNvCxnSpPr/>
+            <p:nvPr/>
+          </p:nvCxnSpPr>
+          <p:spPr>
+            <a:xfrm>
+              <a:off x="3239901" y="4509120"/>
+              <a:ext cx="648072" cy="0"/>
+            </a:xfrm>
+            <a:prstGeom prst="line">
+              <a:avLst/>
+            </a:prstGeom>
+            <a:ln w="28575">
+              <a:solidFill>
+                <a:schemeClr val="tx1"/>
+              </a:solidFill>
+            </a:ln>
+            <a:effectLst/>
+          </p:spPr>
+          <p:style>
+            <a:lnRef idx="1">
+              <a:schemeClr val="accent4"/>
+            </a:lnRef>
+            <a:fillRef idx="2">
+              <a:schemeClr val="accent4"/>
+            </a:fillRef>
+            <a:effectRef idx="1">
+              <a:schemeClr val="accent4"/>
+            </a:effectRef>
+            <a:fontRef idx="minor">
+              <a:schemeClr val="dk1"/>
+            </a:fontRef>
+          </p:style>
+        </p:cxnSp>
+      </p:grpSp>
+      <p:cxnSp>
+        <p:nvCxnSpPr>
+          <p:cNvPr id="21" name="Straight Connector 20"/>
+          <p:cNvCxnSpPr/>
+          <p:nvPr/>
+        </p:nvCxnSpPr>
+        <p:spPr>
+          <a:xfrm flipH="1">
+            <a:off x="304776" y="1665278"/>
+            <a:ext cx="24" cy="1598671"/>
+          </a:xfrm>
+          <a:prstGeom prst="line">
+            <a:avLst/>
+          </a:prstGeom>
+          <a:ln w="19050">
+            <a:solidFill>
+              <a:schemeClr val="tx1"/>
+            </a:solidFill>
+            <a:prstDash val="sysDash"/>
+          </a:ln>
+          <a:effectLst/>
+        </p:spPr>
+        <p:style>
+          <a:lnRef idx="1">
+            <a:schemeClr val="accent1"/>
+          </a:lnRef>
+          <a:fillRef idx="2">
+            <a:schemeClr val="accent1"/>
+          </a:fillRef>
+          <a:effectRef idx="1">
+            <a:schemeClr val="accent1"/>
+          </a:effectRef>
+          <a:fontRef idx="minor">
+            <a:schemeClr val="dk1"/>
+          </a:fontRef>
+        </p:style>
+      </p:cxnSp>
+      <p:cxnSp>
+        <p:nvCxnSpPr>
+          <p:cNvPr id="22" name="Straight Arrow Connector 21"/>
+          <p:cNvCxnSpPr/>
+          <p:nvPr/>
+        </p:nvCxnSpPr>
+        <p:spPr>
+          <a:xfrm>
+            <a:off x="386402" y="1665278"/>
+            <a:ext cx="946250" cy="0"/>
+          </a:xfrm>
+          <a:prstGeom prst="straightConnector1">
+            <a:avLst/>
+          </a:prstGeom>
+          <a:ln w="19050">
+            <a:solidFill>
+              <a:schemeClr val="tx1"/>
+            </a:solidFill>
+            <a:tailEnd type="arrow"/>
+          </a:ln>
+        </p:spPr>
+        <p:style>
+          <a:lnRef idx="1">
+            <a:schemeClr val="accent1"/>
+          </a:lnRef>
+          <a:fillRef idx="0">
+            <a:schemeClr val="accent1"/>
+          </a:fillRef>
+          <a:effectRef idx="0">
+            <a:schemeClr val="accent1"/>
+          </a:effectRef>
+          <a:fontRef idx="minor">
+            <a:schemeClr val="tx1"/>
+          </a:fontRef>
+        </p:style>
+      </p:cxnSp>
+      <p:sp>
+        <p:nvSpPr>
+          <p:cNvPr id="23" name="TextBox 22"/>
+          <p:cNvSpPr txBox="1"/>
+          <p:nvPr/>
+        </p:nvSpPr>
+        <p:spPr>
+          <a:xfrm>
+            <a:off x="511430" y="1676400"/>
+            <a:ext cx="860170" cy="215444"/>
+          </a:xfrm>
+          <a:prstGeom prst="rect">
+            <a:avLst/>
+          </a:prstGeom>
+          <a:noFill/>
+        </p:spPr>
+        <p:txBody>
+          <a:bodyPr wrap="square" lIns="0" tIns="0" rIns="0" bIns="0" rtlCol="0">
+            <a:spAutoFit/>
+          </a:bodyPr>
+          <a:lstStyle/>
+          <a:p>
+            <a:r>
+              <a:rPr lang="en-US" sz="1400" dirty="0" smtClean="0"/>
+              <a:t>Ctrl-Q</a:t>
+            </a:r>
+            <a:endParaRPr lang="en-US" sz="1400" dirty="0"/>
+          </a:p>
+        </p:txBody>
+      </p:sp>
+      <p:sp>
+        <p:nvSpPr>
+          <p:cNvPr id="24" name="TextBox 23"/>
+          <p:cNvSpPr txBox="1"/>
+          <p:nvPr/>
+        </p:nvSpPr>
+        <p:spPr>
+          <a:xfrm>
+            <a:off x="1542807" y="1862356"/>
+            <a:ext cx="1408630" cy="215444"/>
+          </a:xfrm>
+          <a:prstGeom prst="rect">
+            <a:avLst/>
+          </a:prstGeom>
+          <a:noFill/>
+        </p:spPr>
+        <p:txBody>
+          <a:bodyPr wrap="square" lIns="0" tIns="0" rIns="0" bIns="0" rtlCol="0">
+            <a:spAutoFit/>
+          </a:bodyPr>
+          <a:lstStyle/>
+          <a:p>
+            <a:r>
+              <a:rPr lang="en-US" sz="1400" smtClean="0">
+                <a:solidFill>
+                  <a:srgbClr val="00B050"/>
+                </a:solidFill>
+              </a:rPr>
+              <a:t>handleKeyEvent</a:t>
+            </a:r>
+            <a:r>
+              <a:rPr lang="en-US" sz="1400" dirty="0">
+                <a:solidFill>
+                  <a:srgbClr val="00B050"/>
+                </a:solidFill>
+              </a:rPr>
+              <a:t>()</a:t>
+            </a:r>
+          </a:p>
+        </p:txBody>
+      </p:sp>
+    </p:spTree>
+    <p:extLst>
+      <p:ext uri="{BB962C8B-B14F-4D97-AF65-F5344CB8AC3E}">
+        <p14:creationId xmlns:p14="http://schemas.microsoft.com/office/powerpoint/2010/main" val="105438360"/>
       </p:ext>
     </p:extLst>
   </p:cSld>
